--- a/docs/발표.pptx
+++ b/docs/발표.pptx
@@ -1567,6 +1567,13 @@
   <p:clrMapOvr>
     <a:masterClrMapping/>
   </p:clrMapOvr>
+  <p:timing>
+    <p:tnLst>
+      <p:par>
+        <p:cTn id="1" dur="indefinite" restart="never" nodeType="tmRoot"/>
+      </p:par>
+    </p:tnLst>
+  </p:timing>
 </p:sld>
 </file>
 
@@ -2322,6 +2329,13 @@
   <p:clrMapOvr>
     <a:masterClrMapping/>
   </p:clrMapOvr>
+  <p:timing>
+    <p:tnLst>
+      <p:par>
+        <p:cTn id="1" dur="indefinite" restart="never" nodeType="tmRoot"/>
+      </p:par>
+    </p:tnLst>
+  </p:timing>
 </p:sld>
 </file>
 
@@ -2479,7 +2493,7 @@
         <p:spPr>
           <a:xfrm>
             <a:off x="3093363" y="2918817"/>
-            <a:ext cx="2666405" cy="3419594"/>
+            <a:ext cx="2666405" cy="3839792"/>
           </a:xfrm>
           <a:prstGeom prst="roundRect">
             <a:avLst>
@@ -2590,7 +2604,7 @@
         <p:spPr>
           <a:xfrm>
             <a:off x="5981938" y="2918817"/>
-            <a:ext cx="2666405" cy="3419594"/>
+            <a:ext cx="2666405" cy="3839792"/>
           </a:xfrm>
           <a:prstGeom prst="roundRect">
             <a:avLst>
@@ -2701,7 +2715,7 @@
         <p:spPr>
           <a:xfrm>
             <a:off x="8870513" y="2918817"/>
-            <a:ext cx="2666405" cy="3419594"/>
+            <a:ext cx="2666405" cy="3839792"/>
           </a:xfrm>
           <a:prstGeom prst="roundRect">
             <a:avLst>
@@ -2808,6 +2822,13 @@
   <p:clrMapOvr>
     <a:masterClrMapping/>
   </p:clrMapOvr>
+  <p:timing>
+    <p:tnLst>
+      <p:par>
+        <p:cTn id="1" dur="indefinite" restart="never" nodeType="tmRoot"/>
+      </p:par>
+    </p:tnLst>
+  </p:timing>
 </p:sld>
 </file>
 
@@ -3451,6 +3472,13 @@
   <p:clrMapOvr>
     <a:masterClrMapping/>
   </p:clrMapOvr>
+  <p:timing>
+    <p:tnLst>
+      <p:par>
+        <p:cTn id="1" dur="indefinite" restart="never" nodeType="tmRoot"/>
+      </p:par>
+    </p:tnLst>
+  </p:timing>
 </p:sld>
 </file>
 
@@ -3810,6 +3838,13 @@
   <p:clrMapOvr>
     <a:masterClrMapping/>
   </p:clrMapOvr>
+  <p:timing>
+    <p:tnLst>
+      <p:par>
+        <p:cTn id="1" dur="indefinite" restart="never" nodeType="tmRoot"/>
+      </p:par>
+    </p:tnLst>
+  </p:timing>
 </p:sld>
 </file>
 
@@ -4283,6 +4318,13 @@
   <p:clrMapOvr>
     <a:masterClrMapping/>
   </p:clrMapOvr>
+  <p:timing>
+    <p:tnLst>
+      <p:par>
+        <p:cTn id="1" dur="indefinite" restart="never" nodeType="tmRoot"/>
+      </p:par>
+    </p:tnLst>
+  </p:timing>
 </p:sld>
 </file>
 
@@ -4553,6 +4595,13 @@
   <p:clrMapOvr>
     <a:masterClrMapping/>
   </p:clrMapOvr>
+  <p:timing>
+    <p:tnLst>
+      <p:par>
+        <p:cTn id="1" dur="indefinite" restart="never" nodeType="tmRoot"/>
+      </p:par>
+    </p:tnLst>
+  </p:timing>
 </p:sld>
 </file>
 
@@ -4876,6 +4925,13 @@
   <p:clrMapOvr>
     <a:masterClrMapping/>
   </p:clrMapOvr>
+  <p:timing>
+    <p:tnLst>
+      <p:par>
+        <p:cTn id="1" dur="indefinite" restart="never" nodeType="tmRoot"/>
+      </p:par>
+    </p:tnLst>
+  </p:timing>
 </p:sld>
 </file>
 
@@ -5069,6 +5125,13 @@
   <p:clrMapOvr>
     <a:masterClrMapping/>
   </p:clrMapOvr>
+  <p:timing>
+    <p:tnLst>
+      <p:par>
+        <p:cTn id="1" dur="indefinite" restart="never" nodeType="tmRoot"/>
+      </p:par>
+    </p:tnLst>
+  </p:timing>
 </p:sld>
 </file>
 

--- a/docs/발표.pptx
+++ b/docs/발표.pptx
@@ -1349,6 +1349,13 @@
           </a:solidFill>
           <a:ln/>
         </p:spPr>
+        <p:txBody>
+          <a:bodyPr/>
+          <a:lstStyle/>
+          <a:p>
+            <a:endParaRPr lang="ko-KR" altLang="en-US"/>
+          </a:p>
+        </p:txBody>
       </p:sp>
       <p:sp>
         <p:nvSpPr>
@@ -1369,6 +1376,13 @@
           </a:solidFill>
           <a:ln/>
         </p:spPr>
+        <p:txBody>
+          <a:bodyPr/>
+          <a:lstStyle/>
+          <a:p>
+            <a:endParaRPr lang="ko-KR" altLang="en-US"/>
+          </a:p>
+        </p:txBody>
       </p:sp>
       <p:pic>
         <p:nvPicPr>
@@ -1386,8 +1400,8 @@
         </p:blipFill>
         <p:spPr>
           <a:xfrm>
-            <a:off x="10980420" y="0"/>
-            <a:ext cx="3657600" cy="8229600"/>
+            <a:off x="10194131" y="0"/>
+            <a:ext cx="4443889" cy="8229600"/>
           </a:xfrm>
           <a:prstGeom prst="rect">
             <a:avLst/>
@@ -1567,13 +1581,6 @@
   <p:clrMapOvr>
     <a:masterClrMapping/>
   </p:clrMapOvr>
-  <p:timing>
-    <p:tnLst>
-      <p:par>
-        <p:cTn id="1" dur="indefinite" restart="never" nodeType="tmRoot"/>
-      </p:par>
-    </p:tnLst>
-  </p:timing>
 </p:sld>
 </file>
 
@@ -1613,6 +1620,13 @@
           </a:solidFill>
           <a:ln/>
         </p:spPr>
+        <p:txBody>
+          <a:bodyPr/>
+          <a:lstStyle/>
+          <a:p>
+            <a:endParaRPr lang="ko-KR" altLang="en-US"/>
+          </a:p>
+        </p:txBody>
       </p:sp>
       <p:sp>
         <p:nvSpPr>
@@ -1633,6 +1647,13 @@
           </a:solidFill>
           <a:ln/>
         </p:spPr>
+        <p:txBody>
+          <a:bodyPr/>
+          <a:lstStyle/>
+          <a:p>
+            <a:endParaRPr lang="ko-KR" altLang="en-US"/>
+          </a:p>
+        </p:txBody>
       </p:sp>
       <p:sp>
         <p:nvSpPr>
@@ -2329,13 +2350,6 @@
   <p:clrMapOvr>
     <a:masterClrMapping/>
   </p:clrMapOvr>
-  <p:timing>
-    <p:tnLst>
-      <p:par>
-        <p:cTn id="1" dur="indefinite" restart="never" nodeType="tmRoot"/>
-      </p:par>
-    </p:tnLst>
-  </p:timing>
 </p:sld>
 </file>
 
@@ -2375,6 +2389,13 @@
           </a:solidFill>
           <a:ln/>
         </p:spPr>
+        <p:txBody>
+          <a:bodyPr/>
+          <a:lstStyle/>
+          <a:p>
+            <a:endParaRPr lang="ko-KR" altLang="en-US"/>
+          </a:p>
+        </p:txBody>
       </p:sp>
       <p:sp>
         <p:nvSpPr>
@@ -2395,6 +2416,13 @@
           </a:solidFill>
           <a:ln/>
         </p:spPr>
+        <p:txBody>
+          <a:bodyPr/>
+          <a:lstStyle/>
+          <a:p>
+            <a:endParaRPr lang="ko-KR" altLang="en-US"/>
+          </a:p>
+        </p:txBody>
       </p:sp>
       <p:pic>
         <p:nvPicPr>
@@ -2441,6 +2469,13 @@
           </a:solidFill>
           <a:ln/>
         </p:spPr>
+        <p:txBody>
+          <a:bodyPr/>
+          <a:lstStyle/>
+          <a:p>
+            <a:endParaRPr lang="ko-KR" altLang="en-US"/>
+          </a:p>
+        </p:txBody>
       </p:sp>
       <p:sp>
         <p:nvSpPr>
@@ -2510,6 +2545,13 @@
             <a:prstDash val="solid"/>
           </a:ln>
         </p:spPr>
+        <p:txBody>
+          <a:bodyPr/>
+          <a:lstStyle/>
+          <a:p>
+            <a:endParaRPr lang="ko-KR" altLang="en-US"/>
+          </a:p>
+        </p:txBody>
       </p:sp>
       <p:sp>
         <p:nvSpPr>
@@ -2621,6 +2663,13 @@
             <a:prstDash val="solid"/>
           </a:ln>
         </p:spPr>
+        <p:txBody>
+          <a:bodyPr/>
+          <a:lstStyle/>
+          <a:p>
+            <a:endParaRPr lang="ko-KR" altLang="en-US"/>
+          </a:p>
+        </p:txBody>
       </p:sp>
       <p:sp>
         <p:nvSpPr>
@@ -2732,6 +2781,13 @@
             <a:prstDash val="solid"/>
           </a:ln>
         </p:spPr>
+        <p:txBody>
+          <a:bodyPr/>
+          <a:lstStyle/>
+          <a:p>
+            <a:endParaRPr lang="ko-KR" altLang="en-US"/>
+          </a:p>
+        </p:txBody>
       </p:sp>
       <p:sp>
         <p:nvSpPr>
@@ -2822,13 +2878,6 @@
   <p:clrMapOvr>
     <a:masterClrMapping/>
   </p:clrMapOvr>
-  <p:timing>
-    <p:tnLst>
-      <p:par>
-        <p:cTn id="1" dur="indefinite" restart="never" nodeType="tmRoot"/>
-      </p:par>
-    </p:tnLst>
-  </p:timing>
 </p:sld>
 </file>
 
@@ -2868,6 +2917,13 @@
           </a:solidFill>
           <a:ln/>
         </p:spPr>
+        <p:txBody>
+          <a:bodyPr/>
+          <a:lstStyle/>
+          <a:p>
+            <a:endParaRPr lang="ko-KR" altLang="en-US"/>
+          </a:p>
+        </p:txBody>
       </p:sp>
       <p:sp>
         <p:nvSpPr>
@@ -2888,6 +2944,13 @@
           </a:solidFill>
           <a:ln/>
         </p:spPr>
+        <p:txBody>
+          <a:bodyPr/>
+          <a:lstStyle/>
+          <a:p>
+            <a:endParaRPr lang="ko-KR" altLang="en-US"/>
+          </a:p>
+        </p:txBody>
       </p:sp>
       <p:sp>
         <p:nvSpPr>
@@ -3102,6 +3165,13 @@
           </a:solidFill>
           <a:ln/>
         </p:spPr>
+        <p:txBody>
+          <a:bodyPr/>
+          <a:lstStyle/>
+          <a:p>
+            <a:endParaRPr lang="ko-KR" altLang="en-US"/>
+          </a:p>
+        </p:txBody>
       </p:sp>
       <p:pic>
         <p:nvPicPr>
@@ -3274,6 +3344,13 @@
           </a:solidFill>
           <a:ln/>
         </p:spPr>
+        <p:txBody>
+          <a:bodyPr/>
+          <a:lstStyle/>
+          <a:p>
+            <a:endParaRPr lang="ko-KR" altLang="en-US"/>
+          </a:p>
+        </p:txBody>
       </p:sp>
       <p:pic>
         <p:nvPicPr>
@@ -3472,13 +3549,6 @@
   <p:clrMapOvr>
     <a:masterClrMapping/>
   </p:clrMapOvr>
-  <p:timing>
-    <p:tnLst>
-      <p:par>
-        <p:cTn id="1" dur="indefinite" restart="never" nodeType="tmRoot"/>
-      </p:par>
-    </p:tnLst>
-  </p:timing>
 </p:sld>
 </file>
 
@@ -3507,7 +3577,7 @@
         </p:nvSpPr>
         <p:spPr>
           <a:xfrm>
-            <a:off x="0" y="0"/>
+            <a:off x="0" y="344385"/>
             <a:ext cx="14630400" cy="8229600"/>
           </a:xfrm>
           <a:prstGeom prst="rect">
@@ -3518,6 +3588,13 @@
           </a:solidFill>
           <a:ln/>
         </p:spPr>
+        <p:txBody>
+          <a:bodyPr/>
+          <a:lstStyle/>
+          <a:p>
+            <a:endParaRPr lang="ko-KR" altLang="en-US" dirty="0"/>
+          </a:p>
+        </p:txBody>
       </p:sp>
       <p:sp>
         <p:nvSpPr>
@@ -3527,8 +3604,8 @@
         </p:nvSpPr>
         <p:spPr>
           <a:xfrm>
-            <a:off x="0" y="0"/>
-            <a:ext cx="14630400" cy="8229600"/>
+            <a:off x="0" y="344385"/>
+            <a:ext cx="14630400" cy="8506063"/>
           </a:xfrm>
           <a:prstGeom prst="rect">
             <a:avLst/>
@@ -3538,6 +3615,13 @@
           </a:solidFill>
           <a:ln/>
         </p:spPr>
+        <p:txBody>
+          <a:bodyPr/>
+          <a:lstStyle/>
+          <a:p>
+            <a:endParaRPr lang="ko-KR" altLang="en-US" dirty="0"/>
+          </a:p>
+        </p:txBody>
       </p:sp>
       <p:sp>
         <p:nvSpPr>
@@ -3567,17 +3651,72 @@
               <a:buNone/>
             </a:pPr>
             <a:r>
-              <a:rPr lang="en-US" sz="4374" dirty="0">
-                <a:solidFill>
-                  <a:srgbClr val="383838"/>
-                </a:solidFill>
-                <a:latin typeface="Patrick Hand" pitchFamily="34" charset="0"/>
-                <a:ea typeface="Patrick Hand" pitchFamily="34" charset="-122"/>
-                <a:cs typeface="Patrick Hand" pitchFamily="34" charset="-120"/>
-              </a:rPr>
-              <a:t>시장분석: 경쟁사 비교 및 차별화 </a:t>
-            </a:r>
-            <a:endParaRPr lang="en-US" sz="4374" dirty="0"/>
+              <a:rPr lang="en-US" sz="4374" dirty="0" err="1">
+                <a:solidFill>
+                  <a:srgbClr val="383838"/>
+                </a:solidFill>
+                <a:latin typeface="Patrick Hand" pitchFamily="34" charset="0"/>
+                <a:ea typeface="Patrick Hand" pitchFamily="34" charset="-122"/>
+                <a:cs typeface="Patrick Hand" pitchFamily="34" charset="-120"/>
+              </a:rPr>
+              <a:t>시장분석</a:t>
+            </a:r>
+            <a:r>
+              <a:rPr lang="en-US" altLang="ko-KR" sz="4374" dirty="0">
+                <a:solidFill>
+                  <a:srgbClr val="383838"/>
+                </a:solidFill>
+                <a:latin typeface="Patrick Hand" pitchFamily="34" charset="0"/>
+                <a:ea typeface="Patrick Hand" pitchFamily="34" charset="-122"/>
+                <a:cs typeface="Patrick Hand" pitchFamily="34" charset="-120"/>
+              </a:rPr>
+              <a:t>:</a:t>
+            </a:r>
+            <a:r>
+              <a:rPr lang="ko-KR" altLang="en-US" sz="4374" dirty="0">
+                <a:solidFill>
+                  <a:srgbClr val="383838"/>
+                </a:solidFill>
+                <a:latin typeface="Patrick Hand" pitchFamily="34" charset="0"/>
+                <a:ea typeface="Patrick Hand" pitchFamily="34" charset="-122"/>
+                <a:cs typeface="Patrick Hand" pitchFamily="34" charset="-120"/>
+              </a:rPr>
+              <a:t> </a:t>
+            </a:r>
+            <a:r>
+              <a:rPr lang="ko-KR" altLang="en-US" sz="3600" dirty="0">
+                <a:solidFill>
+                  <a:srgbClr val="383838"/>
+                </a:solidFill>
+                <a:latin typeface="Patrick Hand" pitchFamily="34" charset="0"/>
+                <a:ea typeface="Patrick Hand" pitchFamily="34" charset="-122"/>
+                <a:cs typeface="Patrick Hand" pitchFamily="34" charset="-120"/>
+              </a:rPr>
+              <a:t>인기 </a:t>
+            </a:r>
+            <a:r>
+              <a:rPr lang="ko-KR" altLang="en-US" sz="3600" dirty="0" err="1">
+                <a:solidFill>
+                  <a:srgbClr val="383838"/>
+                </a:solidFill>
+                <a:latin typeface="Patrick Hand" pitchFamily="34" charset="0"/>
+                <a:ea typeface="Patrick Hand" pitchFamily="34" charset="-122"/>
+                <a:cs typeface="Patrick Hand" pitchFamily="34" charset="-120"/>
+              </a:rPr>
+              <a:t>있는여행</a:t>
+            </a:r>
+            <a:r>
+              <a:rPr lang="ko-KR" altLang="en-US" sz="3600" dirty="0">
+                <a:solidFill>
+                  <a:srgbClr val="383838"/>
+                </a:solidFill>
+                <a:latin typeface="Patrick Hand" pitchFamily="34" charset="0"/>
+                <a:ea typeface="Patrick Hand" pitchFamily="34" charset="-122"/>
+                <a:cs typeface="Patrick Hand" pitchFamily="34" charset="-120"/>
+              </a:rPr>
+              <a:t> 플랫폼 장점 파악</a:t>
+            </a:r>
+            <a:endParaRPr lang="en-US" sz="3600" dirty="0"/>
           </a:p>
         </p:txBody>
       </p:sp>
@@ -3632,7 +3771,7 @@
         <p:spPr>
           <a:xfrm>
             <a:off x="3093363" y="3680460"/>
-            <a:ext cx="2453759" cy="2487811"/>
+            <a:ext cx="2453759" cy="2993472"/>
           </a:xfrm>
           <a:prstGeom prst="rect">
             <a:avLst/>
@@ -3659,7 +3798,183 @@
                 <a:ea typeface="Patrick Hand" pitchFamily="34" charset="-122"/>
                 <a:cs typeface="Patrick Hand" pitchFamily="34" charset="-120"/>
               </a:rPr>
-              <a:t>국내외 주요 여행 플랫폼(Booking.com, 여기어때, 트립닷컴 등)의 장단점을 면밀히 살펴보았습니다. 자사의 약점을 보완하고, 장점을 극대화하는 방향으로 서비스를 설계하였습니다.</a:t>
+              <a:t>국내외 주요 여행 </a:t>
+            </a:r>
+            <a:r>
+              <a:rPr lang="en-US" sz="1750" dirty="0" err="1">
+                <a:solidFill>
+                  <a:srgbClr val="383838"/>
+                </a:solidFill>
+                <a:latin typeface="Patrick Hand" pitchFamily="34" charset="0"/>
+                <a:ea typeface="Patrick Hand" pitchFamily="34" charset="-122"/>
+                <a:cs typeface="Patrick Hand" pitchFamily="34" charset="-120"/>
+              </a:rPr>
+              <a:t>플랫폼</a:t>
+            </a:r>
+            <a:r>
+              <a:rPr lang="en-US" sz="1750" dirty="0">
+                <a:solidFill>
+                  <a:srgbClr val="383838"/>
+                </a:solidFill>
+                <a:latin typeface="Patrick Hand" pitchFamily="34" charset="0"/>
+                <a:ea typeface="Patrick Hand" pitchFamily="34" charset="-122"/>
+                <a:cs typeface="Patrick Hand" pitchFamily="34" charset="-120"/>
+              </a:rPr>
+              <a:t>(</a:t>
+            </a:r>
+            <a:r>
+              <a:rPr lang="ko-KR" altLang="en-US" sz="1750" dirty="0" err="1">
+                <a:solidFill>
+                  <a:srgbClr val="383838"/>
+                </a:solidFill>
+                <a:latin typeface="Patrick Hand" pitchFamily="34" charset="0"/>
+                <a:ea typeface="Patrick Hand" pitchFamily="34" charset="-122"/>
+                <a:cs typeface="Patrick Hand" pitchFamily="34" charset="-120"/>
+              </a:rPr>
+              <a:t>마이로</a:t>
+            </a:r>
+            <a:r>
+              <a:rPr lang="en-US" altLang="ko-KR" sz="1750" dirty="0">
+                <a:solidFill>
+                  <a:srgbClr val="383838"/>
+                </a:solidFill>
+                <a:latin typeface="Patrick Hand" pitchFamily="34" charset="0"/>
+                <a:ea typeface="Patrick Hand" pitchFamily="34" charset="-122"/>
+                <a:cs typeface="Patrick Hand" pitchFamily="34" charset="-120"/>
+              </a:rPr>
+              <a:t>,</a:t>
+            </a:r>
+            <a:r>
+              <a:rPr lang="ko-KR" altLang="en-US" sz="1750" dirty="0">
+                <a:solidFill>
+                  <a:srgbClr val="383838"/>
+                </a:solidFill>
+                <a:latin typeface="Patrick Hand" pitchFamily="34" charset="0"/>
+                <a:ea typeface="Patrick Hand" pitchFamily="34" charset="-122"/>
+                <a:cs typeface="Patrick Hand" pitchFamily="34" charset="-120"/>
+              </a:rPr>
+              <a:t> </a:t>
+            </a:r>
+            <a:r>
+              <a:rPr lang="ko-KR" altLang="en-US" sz="1750" dirty="0" err="1">
+                <a:solidFill>
+                  <a:srgbClr val="383838"/>
+                </a:solidFill>
+                <a:latin typeface="Patrick Hand" pitchFamily="34" charset="0"/>
+                <a:ea typeface="Patrick Hand" pitchFamily="34" charset="-122"/>
+                <a:cs typeface="Patrick Hand" pitchFamily="34" charset="-120"/>
+              </a:rPr>
+              <a:t>트립플랜</a:t>
+            </a:r>
+            <a:r>
+              <a:rPr lang="ko-KR" altLang="en-US" sz="1750" dirty="0">
+                <a:solidFill>
+                  <a:srgbClr val="383838"/>
+                </a:solidFill>
+                <a:latin typeface="Patrick Hand" pitchFamily="34" charset="0"/>
+                <a:ea typeface="Patrick Hand" pitchFamily="34" charset="-122"/>
+                <a:cs typeface="Patrick Hand" pitchFamily="34" charset="-120"/>
+              </a:rPr>
+              <a:t> 등</a:t>
+            </a:r>
+            <a:r>
+              <a:rPr lang="en-US" sz="1750" dirty="0">
+                <a:solidFill>
+                  <a:srgbClr val="383838"/>
+                </a:solidFill>
+                <a:latin typeface="Patrick Hand" pitchFamily="34" charset="0"/>
+                <a:ea typeface="Patrick Hand" pitchFamily="34" charset="-122"/>
+                <a:cs typeface="Patrick Hand" pitchFamily="34" charset="-120"/>
+              </a:rPr>
+              <a:t>)</a:t>
+            </a:r>
+            <a:r>
+              <a:rPr lang="en-US" sz="1750" dirty="0" err="1">
+                <a:solidFill>
+                  <a:srgbClr val="383838"/>
+                </a:solidFill>
+                <a:latin typeface="Patrick Hand" pitchFamily="34" charset="0"/>
+                <a:ea typeface="Patrick Hand" pitchFamily="34" charset="-122"/>
+                <a:cs typeface="Patrick Hand" pitchFamily="34" charset="-120"/>
+              </a:rPr>
+              <a:t>의</a:t>
+            </a:r>
+            <a:r>
+              <a:rPr lang="en-US" sz="1750" dirty="0">
+                <a:solidFill>
+                  <a:srgbClr val="383838"/>
+                </a:solidFill>
+                <a:latin typeface="Patrick Hand" pitchFamily="34" charset="0"/>
+                <a:ea typeface="Patrick Hand" pitchFamily="34" charset="-122"/>
+                <a:cs typeface="Patrick Hand" pitchFamily="34" charset="-120"/>
+              </a:rPr>
+              <a:t> </a:t>
+            </a:r>
+            <a:r>
+              <a:rPr lang="ko-KR" altLang="en-US" sz="1750" dirty="0">
+                <a:solidFill>
+                  <a:srgbClr val="383838"/>
+                </a:solidFill>
+                <a:latin typeface="Patrick Hand" pitchFamily="34" charset="0"/>
+                <a:ea typeface="Patrick Hand" pitchFamily="34" charset="-122"/>
+                <a:cs typeface="Patrick Hand" pitchFamily="34" charset="-120"/>
+              </a:rPr>
+              <a:t>장점을 </a:t>
+            </a:r>
+            <a:r>
+              <a:rPr lang="ko-KR" altLang="en-US" sz="1750" dirty="0" err="1">
+                <a:solidFill>
+                  <a:srgbClr val="383838"/>
+                </a:solidFill>
+                <a:latin typeface="Patrick Hand" pitchFamily="34" charset="0"/>
+                <a:ea typeface="Patrick Hand" pitchFamily="34" charset="-122"/>
+                <a:cs typeface="Patrick Hand" pitchFamily="34" charset="-120"/>
+              </a:rPr>
+              <a:t>분석하였습니</a:t>
+            </a:r>
+            <a:r>
+              <a:rPr lang="en-US" sz="1750" dirty="0" err="1">
+                <a:solidFill>
+                  <a:srgbClr val="383838"/>
+                </a:solidFill>
+                <a:latin typeface="Patrick Hand" pitchFamily="34" charset="0"/>
+                <a:ea typeface="Patrick Hand" pitchFamily="34" charset="-122"/>
+                <a:cs typeface="Patrick Hand" pitchFamily="34" charset="-120"/>
+              </a:rPr>
+              <a:t>다</a:t>
+            </a:r>
+            <a:r>
+              <a:rPr lang="en-US" sz="1750" dirty="0">
+                <a:solidFill>
+                  <a:srgbClr val="383838"/>
+                </a:solidFill>
+                <a:latin typeface="Patrick Hand" pitchFamily="34" charset="0"/>
+                <a:ea typeface="Patrick Hand" pitchFamily="34" charset="-122"/>
+                <a:cs typeface="Patrick Hand" pitchFamily="34" charset="-120"/>
+              </a:rPr>
+              <a:t>. </a:t>
+            </a:r>
+            <a:r>
+              <a:rPr lang="ko-KR" altLang="en-US" sz="1750" dirty="0">
+                <a:solidFill>
+                  <a:srgbClr val="383838"/>
+                </a:solidFill>
+                <a:latin typeface="Patrick Hand" pitchFamily="34" charset="0"/>
+                <a:ea typeface="Patrick Hand" pitchFamily="34" charset="-122"/>
+                <a:cs typeface="Patrick Hand" pitchFamily="34" charset="-120"/>
+              </a:rPr>
+              <a:t>여행을 계획하는데 편리성을 제공하는 기능들을 생각하였습니다</a:t>
+            </a:r>
+            <a:r>
+              <a:rPr lang="en-US" altLang="ko-KR" sz="1750" dirty="0">
+                <a:solidFill>
+                  <a:srgbClr val="383838"/>
+                </a:solidFill>
+                <a:latin typeface="Patrick Hand" pitchFamily="34" charset="0"/>
+                <a:ea typeface="Patrick Hand" pitchFamily="34" charset="-122"/>
+                <a:cs typeface="Patrick Hand" pitchFamily="34" charset="-120"/>
+              </a:rPr>
+              <a:t>.</a:t>
             </a:r>
             <a:endParaRPr lang="en-US" sz="1750" dirty="0"/>
           </a:p>
@@ -3838,13 +4153,6 @@
   <p:clrMapOvr>
     <a:masterClrMapping/>
   </p:clrMapOvr>
-  <p:timing>
-    <p:tnLst>
-      <p:par>
-        <p:cTn id="1" dur="indefinite" restart="never" nodeType="tmRoot"/>
-      </p:par>
-    </p:tnLst>
-  </p:timing>
 </p:sld>
 </file>
 
@@ -3884,6 +4192,13 @@
           </a:solidFill>
           <a:ln/>
         </p:spPr>
+        <p:txBody>
+          <a:bodyPr/>
+          <a:lstStyle/>
+          <a:p>
+            <a:endParaRPr lang="ko-KR" altLang="en-US" dirty="0"/>
+          </a:p>
+        </p:txBody>
       </p:sp>
       <p:sp>
         <p:nvSpPr>
@@ -3904,6 +4219,13 @@
           </a:solidFill>
           <a:ln/>
         </p:spPr>
+        <p:txBody>
+          <a:bodyPr/>
+          <a:lstStyle/>
+          <a:p>
+            <a:endParaRPr lang="ko-KR" altLang="en-US" dirty="0"/>
+          </a:p>
+        </p:txBody>
       </p:sp>
       <p:sp>
         <p:nvSpPr>
@@ -3947,9 +4269,318 @@
           </a:p>
         </p:txBody>
       </p:sp>
+      <p:sp>
+        <p:nvSpPr>
+          <p:cNvPr id="6" name="Text 3"/>
+          <p:cNvSpPr/>
+          <p:nvPr/>
+        </p:nvSpPr>
+        <p:spPr>
+          <a:xfrm>
+            <a:off x="3093363" y="4428649"/>
+            <a:ext cx="2592348" cy="347186"/>
+          </a:xfrm>
+          <a:prstGeom prst="rect">
+            <a:avLst/>
+          </a:prstGeom>
+          <a:noFill/>
+          <a:ln/>
+        </p:spPr>
+        <p:txBody>
+          <a:bodyPr wrap="none" rtlCol="0" anchor="t"/>
+          <a:lstStyle/>
+          <a:p>
+            <a:pPr marL="0" indent="0" algn="l">
+              <a:lnSpc>
+                <a:spcPts val="2734"/>
+              </a:lnSpc>
+              <a:buNone/>
+            </a:pPr>
+            <a:r>
+              <a:rPr lang="en-US" sz="2187" dirty="0">
+                <a:solidFill>
+                  <a:srgbClr val="383838"/>
+                </a:solidFill>
+                <a:latin typeface="Patrick Hand" pitchFamily="34" charset="0"/>
+                <a:ea typeface="Patrick Hand" pitchFamily="34" charset="-122"/>
+                <a:cs typeface="Patrick Hand" pitchFamily="34" charset="-120"/>
+              </a:rPr>
+              <a:t>개발 환경 </a:t>
+            </a:r>
+            <a:endParaRPr lang="en-US" sz="2187" dirty="0"/>
+          </a:p>
+        </p:txBody>
+      </p:sp>
+      <p:sp>
+        <p:nvSpPr>
+          <p:cNvPr id="7" name="Text 4"/>
+          <p:cNvSpPr/>
+          <p:nvPr/>
+        </p:nvSpPr>
+        <p:spPr>
+          <a:xfrm>
+            <a:off x="3093363" y="4909066"/>
+            <a:ext cx="2592348" cy="2429885"/>
+          </a:xfrm>
+          <a:prstGeom prst="rect">
+            <a:avLst/>
+          </a:prstGeom>
+          <a:noFill/>
+          <a:ln/>
+        </p:spPr>
+        <p:txBody>
+          <a:bodyPr wrap="square" rtlCol="0" anchor="t"/>
+          <a:lstStyle/>
+          <a:p>
+            <a:pPr marL="0" indent="0" algn="l">
+              <a:lnSpc>
+                <a:spcPts val="2799"/>
+              </a:lnSpc>
+              <a:buNone/>
+            </a:pPr>
+            <a:r>
+              <a:rPr lang="en-US" sz="1750" dirty="0" err="1">
+                <a:solidFill>
+                  <a:srgbClr val="383838"/>
+                </a:solidFill>
+                <a:latin typeface="Patrick Hand" pitchFamily="34" charset="0"/>
+                <a:ea typeface="Patrick Hand" pitchFamily="34" charset="-122"/>
+                <a:cs typeface="Patrick Hand" pitchFamily="34" charset="-120"/>
+              </a:rPr>
+              <a:t>Travelink</a:t>
+            </a:r>
+            <a:r>
+              <a:rPr lang="ko-KR" altLang="en-US" sz="1750" dirty="0">
+                <a:solidFill>
+                  <a:srgbClr val="383838"/>
+                </a:solidFill>
+                <a:latin typeface="Patrick Hand" pitchFamily="34" charset="0"/>
+                <a:ea typeface="Patrick Hand" pitchFamily="34" charset="-122"/>
+                <a:cs typeface="Patrick Hand" pitchFamily="34" charset="-120"/>
+              </a:rPr>
+              <a:t>는</a:t>
+            </a:r>
+            <a:r>
+              <a:rPr lang="en-US" sz="1750" dirty="0">
+                <a:solidFill>
+                  <a:srgbClr val="383838"/>
+                </a:solidFill>
+                <a:latin typeface="Patrick Hand" pitchFamily="34" charset="0"/>
+                <a:ea typeface="Patrick Hand" pitchFamily="34" charset="-122"/>
+                <a:cs typeface="Patrick Hand" pitchFamily="34" charset="-120"/>
+              </a:rPr>
+              <a:t> </a:t>
+            </a:r>
+            <a:r>
+              <a:rPr lang="ko-KR" altLang="en-US" sz="1750" dirty="0">
+                <a:solidFill>
+                  <a:srgbClr val="383838"/>
+                </a:solidFill>
+                <a:latin typeface="Patrick Hand" pitchFamily="34" charset="0"/>
+                <a:ea typeface="Patrick Hand" pitchFamily="34" charset="-122"/>
+                <a:cs typeface="Patrick Hand" pitchFamily="34" charset="-120"/>
+              </a:rPr>
+              <a:t>프론트는</a:t>
+            </a:r>
+            <a:endParaRPr lang="en-US" altLang="ko-KR" sz="1750" dirty="0">
+              <a:solidFill>
+                <a:srgbClr val="383838"/>
+              </a:solidFill>
+              <a:latin typeface="Patrick Hand" pitchFamily="34" charset="0"/>
+              <a:ea typeface="Patrick Hand" pitchFamily="34" charset="-122"/>
+              <a:cs typeface="Patrick Hand" pitchFamily="34" charset="-120"/>
+            </a:endParaRPr>
+          </a:p>
+          <a:p>
+            <a:pPr marL="0" indent="0" algn="l">
+              <a:lnSpc>
+                <a:spcPts val="2799"/>
+              </a:lnSpc>
+              <a:buNone/>
+            </a:pPr>
+            <a:r>
+              <a:rPr lang="en-US" sz="1750" dirty="0" err="1">
+                <a:solidFill>
+                  <a:srgbClr val="383838"/>
+                </a:solidFill>
+                <a:latin typeface="Patrick Hand" pitchFamily="34" charset="0"/>
+                <a:ea typeface="Patrick Hand" pitchFamily="34" charset="-122"/>
+                <a:cs typeface="Patrick Hand" pitchFamily="34" charset="-120"/>
+              </a:rPr>
+              <a:t>vue</a:t>
+            </a:r>
+            <a:r>
+              <a:rPr lang="en-US" sz="1750" dirty="0">
+                <a:solidFill>
+                  <a:srgbClr val="383838"/>
+                </a:solidFill>
+                <a:latin typeface="Patrick Hand" pitchFamily="34" charset="0"/>
+                <a:ea typeface="Patrick Hand" pitchFamily="34" charset="-122"/>
+                <a:cs typeface="Patrick Hand" pitchFamily="34" charset="-120"/>
+              </a:rPr>
+              <a:t> </a:t>
+            </a:r>
+            <a:r>
+              <a:rPr lang="en-US" sz="1750" dirty="0" err="1">
+                <a:solidFill>
+                  <a:srgbClr val="383838"/>
+                </a:solidFill>
+                <a:latin typeface="Patrick Hand" pitchFamily="34" charset="0"/>
+                <a:ea typeface="Patrick Hand" pitchFamily="34" charset="-122"/>
+                <a:cs typeface="Patrick Hand" pitchFamily="34" charset="-120"/>
+              </a:rPr>
+              <a:t>프레임워크</a:t>
+            </a:r>
+            <a:r>
+              <a:rPr lang="ko-KR" altLang="en-US" sz="1750" dirty="0">
+                <a:solidFill>
+                  <a:srgbClr val="383838"/>
+                </a:solidFill>
+                <a:latin typeface="Patrick Hand" pitchFamily="34" charset="0"/>
+                <a:ea typeface="Patrick Hand" pitchFamily="34" charset="-122"/>
+                <a:cs typeface="Patrick Hand" pitchFamily="34" charset="-120"/>
+              </a:rPr>
+              <a:t>와 </a:t>
+            </a:r>
+            <a:r>
+              <a:rPr lang="en-US" altLang="ko-KR" sz="1750" dirty="0">
+                <a:solidFill>
+                  <a:srgbClr val="383838"/>
+                </a:solidFill>
+                <a:latin typeface="Patrick Hand" pitchFamily="34" charset="0"/>
+                <a:ea typeface="Patrick Hand" pitchFamily="34" charset="-122"/>
+                <a:cs typeface="Patrick Hand" pitchFamily="34" charset="-120"/>
+              </a:rPr>
+              <a:t>tailwind,</a:t>
+            </a:r>
+            <a:r>
+              <a:rPr lang="en-US" sz="1750" dirty="0">
+                <a:solidFill>
+                  <a:srgbClr val="383838"/>
+                </a:solidFill>
+                <a:latin typeface="Patrick Hand" pitchFamily="34" charset="0"/>
+                <a:ea typeface="Patrick Hand" pitchFamily="34" charset="-122"/>
+                <a:cs typeface="Patrick Hand" pitchFamily="34" charset="-120"/>
+              </a:rPr>
+              <a:t> </a:t>
+            </a:r>
+            <a:r>
+              <a:rPr lang="ko-KR" altLang="en-US" sz="1750" dirty="0" err="1">
+                <a:solidFill>
+                  <a:srgbClr val="383838"/>
+                </a:solidFill>
+                <a:latin typeface="Patrick Hand" pitchFamily="34" charset="0"/>
+                <a:ea typeface="Patrick Hand" pitchFamily="34" charset="-122"/>
+                <a:cs typeface="Patrick Hand" pitchFamily="34" charset="-120"/>
+              </a:rPr>
+              <a:t>백엔드와</a:t>
+            </a:r>
+            <a:r>
+              <a:rPr lang="ko-KR" altLang="en-US" sz="1750" dirty="0">
+                <a:solidFill>
+                  <a:srgbClr val="383838"/>
+                </a:solidFill>
+                <a:latin typeface="Patrick Hand" pitchFamily="34" charset="0"/>
+                <a:ea typeface="Patrick Hand" pitchFamily="34" charset="-122"/>
+                <a:cs typeface="Patrick Hand" pitchFamily="34" charset="-120"/>
+              </a:rPr>
+              <a:t> 서버는 </a:t>
+            </a:r>
+            <a:r>
+              <a:rPr lang="en-US" altLang="ko-KR" sz="1750" dirty="0">
+                <a:solidFill>
+                  <a:srgbClr val="383838"/>
+                </a:solidFill>
+                <a:latin typeface="Patrick Hand" pitchFamily="34" charset="0"/>
+                <a:ea typeface="Patrick Hand" pitchFamily="34" charset="-122"/>
+                <a:cs typeface="Patrick Hand" pitchFamily="34" charset="-120"/>
+              </a:rPr>
+              <a:t>spring boot</a:t>
+            </a:r>
+            <a:r>
+              <a:rPr lang="ko-KR" altLang="en-US" sz="1750" dirty="0">
+                <a:solidFill>
+                  <a:srgbClr val="383838"/>
+                </a:solidFill>
+                <a:latin typeface="Patrick Hand" pitchFamily="34" charset="0"/>
+                <a:ea typeface="Patrick Hand" pitchFamily="34" charset="-122"/>
+                <a:cs typeface="Patrick Hand" pitchFamily="34" charset="-120"/>
+              </a:rPr>
+              <a:t>와 </a:t>
+            </a:r>
+            <a:r>
+              <a:rPr lang="en-US" altLang="ko-KR" sz="1750" dirty="0" err="1">
+                <a:solidFill>
+                  <a:srgbClr val="383838"/>
+                </a:solidFill>
+                <a:latin typeface="Patrick Hand" pitchFamily="34" charset="0"/>
+                <a:ea typeface="Patrick Hand" pitchFamily="34" charset="-122"/>
+                <a:cs typeface="Patrick Hand" pitchFamily="34" charset="-120"/>
+              </a:rPr>
+              <a:t>mysql</a:t>
+            </a:r>
+            <a:r>
+              <a:rPr lang="ko-KR" altLang="en-US" sz="1750" dirty="0">
+                <a:solidFill>
+                  <a:srgbClr val="383838"/>
+                </a:solidFill>
+                <a:latin typeface="Patrick Hand" pitchFamily="34" charset="0"/>
+                <a:ea typeface="Patrick Hand" pitchFamily="34" charset="-122"/>
+                <a:cs typeface="Patrick Hand" pitchFamily="34" charset="-120"/>
+              </a:rPr>
+              <a:t>을 사용</a:t>
+            </a:r>
+            <a:r>
+              <a:rPr lang="en-US" sz="1750" dirty="0" err="1">
+                <a:solidFill>
+                  <a:srgbClr val="383838"/>
+                </a:solidFill>
+                <a:latin typeface="Patrick Hand" pitchFamily="34" charset="0"/>
+                <a:ea typeface="Patrick Hand" pitchFamily="34" charset="-122"/>
+                <a:cs typeface="Patrick Hand" pitchFamily="34" charset="-120"/>
+              </a:rPr>
+              <a:t>하여</a:t>
+            </a:r>
+            <a:r>
+              <a:rPr lang="en-US" sz="1750" dirty="0">
+                <a:solidFill>
+                  <a:srgbClr val="383838"/>
+                </a:solidFill>
+                <a:latin typeface="Patrick Hand" pitchFamily="34" charset="0"/>
+                <a:ea typeface="Patrick Hand" pitchFamily="34" charset="-122"/>
+                <a:cs typeface="Patrick Hand" pitchFamily="34" charset="-120"/>
+              </a:rPr>
+              <a:t> </a:t>
+            </a:r>
+            <a:r>
+              <a:rPr lang="en-US" sz="1750" dirty="0" err="1">
+                <a:solidFill>
+                  <a:srgbClr val="383838"/>
+                </a:solidFill>
+                <a:latin typeface="Patrick Hand" pitchFamily="34" charset="0"/>
+                <a:ea typeface="Patrick Hand" pitchFamily="34" charset="-122"/>
+                <a:cs typeface="Patrick Hand" pitchFamily="34" charset="-120"/>
+              </a:rPr>
+              <a:t>개발하였습니다</a:t>
+            </a:r>
+            <a:r>
+              <a:rPr lang="en-US" sz="1750" dirty="0">
+                <a:solidFill>
+                  <a:srgbClr val="383838"/>
+                </a:solidFill>
+                <a:latin typeface="Patrick Hand" pitchFamily="34" charset="0"/>
+                <a:ea typeface="Patrick Hand" pitchFamily="34" charset="-122"/>
+                <a:cs typeface="Patrick Hand" pitchFamily="34" charset="-120"/>
+              </a:rPr>
+              <a:t>.</a:t>
+            </a:r>
+            <a:endParaRPr lang="en-US" sz="1750" dirty="0"/>
+          </a:p>
+        </p:txBody>
+      </p:sp>
       <p:pic>
         <p:nvPicPr>
-          <p:cNvPr id="5" name="Image 0" descr="preencoded.png"/>
+          <p:cNvPr id="8" name="Image 1" descr="preencoded.png"/>
           <p:cNvPicPr>
             <a:picLocks noChangeAspect="1"/>
           </p:cNvPicPr>
@@ -3963,7 +4594,7 @@
         </p:blipFill>
         <p:spPr>
           <a:xfrm>
-            <a:off x="3093363" y="2548890"/>
+            <a:off x="6018967" y="2548890"/>
             <a:ext cx="2592348" cy="1602105"/>
           </a:xfrm>
           <a:prstGeom prst="rect">
@@ -3973,13 +4604,13 @@
       </p:pic>
       <p:sp>
         <p:nvSpPr>
-          <p:cNvPr id="6" name="Text 3"/>
-          <p:cNvSpPr/>
-          <p:nvPr/>
-        </p:nvSpPr>
-        <p:spPr>
-          <a:xfrm>
-            <a:off x="3093363" y="4428649"/>
+          <p:cNvPr id="9" name="Text 5"/>
+          <p:cNvSpPr/>
+          <p:nvPr/>
+        </p:nvSpPr>
+        <p:spPr>
+          <a:xfrm>
+            <a:off x="6018967" y="4428649"/>
             <a:ext cx="2592348" cy="347186"/>
           </a:xfrm>
           <a:prstGeom prst="rect">
@@ -4007,7 +4638,7 @@
                 <a:ea typeface="Patrick Hand" pitchFamily="34" charset="-122"/>
                 <a:cs typeface="Patrick Hand" pitchFamily="34" charset="-120"/>
               </a:rPr>
-              <a:t>개발 환경 </a:t>
+              <a:t>주요 화면 구성</a:t>
             </a:r>
             <a:endParaRPr lang="en-US" sz="2187" dirty="0"/>
           </a:p>
@@ -4015,13 +4646,13 @@
       </p:sp>
       <p:sp>
         <p:nvSpPr>
-          <p:cNvPr id="7" name="Text 4"/>
-          <p:cNvSpPr/>
-          <p:nvPr/>
-        </p:nvSpPr>
-        <p:spPr>
-          <a:xfrm>
-            <a:off x="3093363" y="4909066"/>
+          <p:cNvPr id="10" name="Text 6"/>
+          <p:cNvSpPr/>
+          <p:nvPr/>
+        </p:nvSpPr>
+        <p:spPr>
+          <a:xfrm>
+            <a:off x="6018967" y="4909066"/>
             <a:ext cx="2592348" cy="1066205"/>
           </a:xfrm>
           <a:prstGeom prst="rect">
@@ -4049,7 +4680,49 @@
                 <a:ea typeface="Patrick Hand" pitchFamily="34" charset="-122"/>
                 <a:cs typeface="Patrick Hand" pitchFamily="34" charset="-120"/>
               </a:rPr>
-              <a:t>Travelink 플랫폼은 spring boot와 vue 프레임워크를 활용하여 개발하였습니다.</a:t>
+              <a:t>여행 계획, 게시판 등의 핵심 기능을 직관적인 UI로 구현하였습니다. </a:t>
+            </a:r>
+            <a:endParaRPr lang="en-US" sz="1750" dirty="0"/>
+          </a:p>
+        </p:txBody>
+      </p:sp>
+      <p:sp>
+        <p:nvSpPr>
+          <p:cNvPr id="11" name="Text 7"/>
+          <p:cNvSpPr/>
+          <p:nvPr/>
+        </p:nvSpPr>
+        <p:spPr>
+          <a:xfrm>
+            <a:off x="6018967" y="6108502"/>
+            <a:ext cx="2592348" cy="710803"/>
+          </a:xfrm>
+          <a:prstGeom prst="rect">
+            <a:avLst/>
+          </a:prstGeom>
+          <a:noFill/>
+          <a:ln/>
+        </p:spPr>
+        <p:txBody>
+          <a:bodyPr wrap="square" rtlCol="0" anchor="t"/>
+          <a:lstStyle/>
+          <a:p>
+            <a:pPr marL="0" indent="0" algn="l">
+              <a:lnSpc>
+                <a:spcPts val="2799"/>
+              </a:lnSpc>
+              <a:buNone/>
+            </a:pPr>
+            <a:r>
+              <a:rPr lang="en-US" sz="1750" dirty="0">
+                <a:solidFill>
+                  <a:srgbClr val="383838"/>
+                </a:solidFill>
+                <a:latin typeface="Patrick Hand" pitchFamily="34" charset="0"/>
+                <a:ea typeface="Patrick Hand" pitchFamily="34" charset="-122"/>
+                <a:cs typeface="Patrick Hand" pitchFamily="34" charset="-120"/>
+              </a:rPr>
+              <a:t>사용자의 편의성을 높이는 데 초점을 맞추었습니다.</a:t>
             </a:r>
             <a:endParaRPr lang="en-US" sz="1750" dirty="0"/>
           </a:p>
@@ -4057,7 +4730,7 @@
       </p:sp>
       <p:pic>
         <p:nvPicPr>
-          <p:cNvPr id="8" name="Image 1" descr="preencoded.png"/>
+          <p:cNvPr id="12" name="Image 2" descr="preencoded.png"/>
           <p:cNvPicPr>
             <a:picLocks noChangeAspect="1"/>
           </p:cNvPicPr>
@@ -4071,7 +4744,7 @@
         </p:blipFill>
         <p:spPr>
           <a:xfrm>
-            <a:off x="6018967" y="2548890"/>
+            <a:off x="8944570" y="2548890"/>
             <a:ext cx="2592348" cy="1602105"/>
           </a:xfrm>
           <a:prstGeom prst="rect">
@@ -4081,13 +4754,13 @@
       </p:pic>
       <p:sp>
         <p:nvSpPr>
-          <p:cNvPr id="9" name="Text 5"/>
-          <p:cNvSpPr/>
-          <p:nvPr/>
-        </p:nvSpPr>
-        <p:spPr>
-          <a:xfrm>
-            <a:off x="6018967" y="4428649"/>
+          <p:cNvPr id="13" name="Text 8"/>
+          <p:cNvSpPr/>
+          <p:nvPr/>
+        </p:nvSpPr>
+        <p:spPr>
+          <a:xfrm>
+            <a:off x="8944570" y="4428649"/>
             <a:ext cx="2592348" cy="347186"/>
           </a:xfrm>
           <a:prstGeom prst="rect">
@@ -4115,7 +4788,7 @@
                 <a:ea typeface="Patrick Hand" pitchFamily="34" charset="-122"/>
                 <a:cs typeface="Patrick Hand" pitchFamily="34" charset="-120"/>
               </a:rPr>
-              <a:t>주요 화면 구성</a:t>
+              <a:t>핵심 기술 및 알고리즘</a:t>
             </a:r>
             <a:endParaRPr lang="en-US" sz="2187" dirty="0"/>
           </a:p>
@@ -4123,14 +4796,14 @@
       </p:sp>
       <p:sp>
         <p:nvSpPr>
-          <p:cNvPr id="10" name="Text 6"/>
-          <p:cNvSpPr/>
-          <p:nvPr/>
-        </p:nvSpPr>
-        <p:spPr>
-          <a:xfrm>
-            <a:off x="6018967" y="4909066"/>
-            <a:ext cx="2592348" cy="1066205"/>
+          <p:cNvPr id="14" name="Text 9"/>
+          <p:cNvSpPr/>
+          <p:nvPr/>
+        </p:nvSpPr>
+        <p:spPr>
+          <a:xfrm>
+            <a:off x="8944570" y="4909065"/>
+            <a:ext cx="2592348" cy="1910239"/>
           </a:xfrm>
           <a:prstGeom prst="rect">
             <a:avLst/>
@@ -4149,6 +4822,17 @@
               <a:buNone/>
             </a:pPr>
             <a:r>
+              <a:rPr lang="ko-KR" altLang="en-US" sz="1750" dirty="0">
+                <a:solidFill>
+                  <a:srgbClr val="383838"/>
+                </a:solidFill>
+                <a:latin typeface="Patrick Hand" pitchFamily="34" charset="0"/>
+                <a:ea typeface="Patrick Hand" pitchFamily="34" charset="-122"/>
+                <a:cs typeface="Patrick Hand" pitchFamily="34" charset="-120"/>
+              </a:rPr>
+              <a:t>생성형 </a:t>
+            </a:r>
+            <a:r>
               <a:rPr lang="en-US" sz="1750" dirty="0">
                 <a:solidFill>
                   <a:srgbClr val="383838"/>
@@ -4157,39 +4841,41 @@
                 <a:ea typeface="Patrick Hand" pitchFamily="34" charset="-122"/>
                 <a:cs typeface="Patrick Hand" pitchFamily="34" charset="-120"/>
               </a:rPr>
-              <a:t>여행 계획, 게시판 등의 핵심 기능을 직관적인 UI로 구현하였습니다. </a:t>
-            </a:r>
-            <a:endParaRPr lang="en-US" sz="1750" dirty="0"/>
-          </a:p>
-        </p:txBody>
-      </p:sp>
-      <p:sp>
-        <p:nvSpPr>
-          <p:cNvPr id="11" name="Text 7"/>
-          <p:cNvSpPr/>
-          <p:nvPr/>
-        </p:nvSpPr>
-        <p:spPr>
-          <a:xfrm>
-            <a:off x="6018967" y="6108502"/>
-            <a:ext cx="2592348" cy="710803"/>
-          </a:xfrm>
-          <a:prstGeom prst="rect">
-            <a:avLst/>
-          </a:prstGeom>
-          <a:noFill/>
-          <a:ln/>
-        </p:spPr>
-        <p:txBody>
-          <a:bodyPr wrap="square" rtlCol="0" anchor="t"/>
-          <a:lstStyle/>
-          <a:p>
-            <a:pPr marL="0" indent="0" algn="l">
-              <a:lnSpc>
-                <a:spcPts val="2799"/>
-              </a:lnSpc>
-              <a:buNone/>
-            </a:pPr>
+              <a:t>AI</a:t>
+            </a:r>
+            <a:r>
+              <a:rPr lang="ko-KR" altLang="en-US" sz="1750" dirty="0">
+                <a:solidFill>
+                  <a:srgbClr val="383838"/>
+                </a:solidFill>
+                <a:latin typeface="Patrick Hand" pitchFamily="34" charset="0"/>
+                <a:ea typeface="Patrick Hand" pitchFamily="34" charset="-122"/>
+                <a:cs typeface="Patrick Hand" pitchFamily="34" charset="-120"/>
+              </a:rPr>
+              <a:t>인 </a:t>
+            </a:r>
+            <a:r>
+              <a:rPr lang="ko-KR" altLang="en-US" sz="1750" dirty="0" err="1">
+                <a:solidFill>
+                  <a:srgbClr val="383838"/>
+                </a:solidFill>
+                <a:latin typeface="Patrick Hand" pitchFamily="34" charset="0"/>
+                <a:ea typeface="Patrick Hand" pitchFamily="34" charset="-122"/>
+                <a:cs typeface="Patrick Hand" pitchFamily="34" charset="-120"/>
+              </a:rPr>
+              <a:t>제미나이를</a:t>
+            </a:r>
+            <a:r>
+              <a:rPr lang="ko-KR" altLang="en-US" sz="1750" dirty="0">
+                <a:solidFill>
+                  <a:srgbClr val="383838"/>
+                </a:solidFill>
+                <a:latin typeface="Patrick Hand" pitchFamily="34" charset="0"/>
+                <a:ea typeface="Patrick Hand" pitchFamily="34" charset="-122"/>
+                <a:cs typeface="Patrick Hand" pitchFamily="34" charset="-120"/>
+              </a:rPr>
+              <a:t> 사용하여</a:t>
+            </a:r>
             <a:r>
               <a:rPr lang="en-US" sz="1750" dirty="0">
                 <a:solidFill>
@@ -4199,7 +4885,7 @@
                 <a:ea typeface="Patrick Hand" pitchFamily="34" charset="-122"/>
                 <a:cs typeface="Patrick Hand" pitchFamily="34" charset="-120"/>
               </a:rPr>
-              <a:t>사용자의 편의성을 높이는 데 초점을 맞추었습니다.</a:t>
+              <a:t> 개인화 여행 추천 시스템의 혁신적인 기술을 적용하여 차별화된 서비스를 제공합니다.</a:t>
             </a:r>
             <a:endParaRPr lang="en-US" sz="1750" dirty="0"/>
           </a:p>
@@ -4207,124 +4893,197 @@
       </p:sp>
       <p:pic>
         <p:nvPicPr>
-          <p:cNvPr id="12" name="Image 2" descr="preencoded.png"/>
+          <p:cNvPr id="1026" name="Picture 2" descr="SPRING] SPRING BOOT 장점과 단점">
+            <a:extLst>
+              <a:ext uri="{FF2B5EF4-FFF2-40B4-BE49-F238E27FC236}">
+                <a16:creationId xmlns:a16="http://schemas.microsoft.com/office/drawing/2014/main" id="{65AD7064-537F-6BD4-8EB1-3A6FD6E44D13}"/>
+              </a:ext>
+            </a:extLst>
+          </p:cNvPr>
           <p:cNvPicPr>
-            <a:picLocks noChangeAspect="1"/>
+            <a:picLocks noChangeAspect="1" noChangeArrowheads="1"/>
           </p:cNvPicPr>
           <p:nvPr/>
         </p:nvPicPr>
         <p:blipFill>
-          <a:blip r:embed="rId5"/>
+          <a:blip r:embed="rId5">
+            <a:extLst>
+              <a:ext uri="{28A0092B-C50C-407E-A947-70E740481C1C}">
+                <a14:useLocalDpi xmlns:a14="http://schemas.microsoft.com/office/drawing/2010/main" val="0"/>
+              </a:ext>
+            </a:extLst>
+          </a:blip>
+          <a:srcRect/>
           <a:stretch>
             <a:fillRect/>
           </a:stretch>
         </p:blipFill>
-        <p:spPr>
-          <a:xfrm>
-            <a:off x="8944570" y="2548890"/>
-            <a:ext cx="2592348" cy="1602105"/>
-          </a:xfrm>
-          <a:prstGeom prst="rect">
-            <a:avLst/>
-          </a:prstGeom>
+        <p:spPr bwMode="auto">
+          <a:xfrm>
+            <a:off x="3093363" y="2548890"/>
+            <a:ext cx="1371759" cy="965835"/>
+          </a:xfrm>
+          <a:prstGeom prst="rect">
+            <a:avLst/>
+          </a:prstGeom>
+          <a:noFill/>
+          <a:extLst>
+            <a:ext uri="{909E8E84-426E-40DD-AFC4-6F175D3DCCD1}">
+              <a14:hiddenFill xmlns:a14="http://schemas.microsoft.com/office/drawing/2010/main">
+                <a:solidFill>
+                  <a:srgbClr val="FFFFFF"/>
+                </a:solidFill>
+              </a14:hiddenFill>
+            </a:ext>
+          </a:extLst>
         </p:spPr>
       </p:pic>
-      <p:sp>
-        <p:nvSpPr>
-          <p:cNvPr id="13" name="Text 8"/>
-          <p:cNvSpPr/>
-          <p:nvPr/>
-        </p:nvSpPr>
-        <p:spPr>
-          <a:xfrm>
-            <a:off x="8944570" y="4428649"/>
-            <a:ext cx="2592348" cy="347186"/>
-          </a:xfrm>
-          <a:prstGeom prst="rect">
-            <a:avLst/>
-          </a:prstGeom>
-          <a:noFill/>
-          <a:ln/>
-        </p:spPr>
-        <p:txBody>
-          <a:bodyPr wrap="none" rtlCol="0" anchor="t"/>
-          <a:lstStyle/>
-          <a:p>
-            <a:pPr marL="0" indent="0" algn="l">
-              <a:lnSpc>
-                <a:spcPts val="2734"/>
-              </a:lnSpc>
-              <a:buNone/>
-            </a:pPr>
-            <a:r>
-              <a:rPr lang="en-US" sz="2187" dirty="0">
-                <a:solidFill>
-                  <a:srgbClr val="383838"/>
-                </a:solidFill>
-                <a:latin typeface="Patrick Hand" pitchFamily="34" charset="0"/>
-                <a:ea typeface="Patrick Hand" pitchFamily="34" charset="-122"/>
-                <a:cs typeface="Patrick Hand" pitchFamily="34" charset="-120"/>
-              </a:rPr>
-              <a:t>핵심 기술 및 알고리즘</a:t>
-            </a:r>
-            <a:endParaRPr lang="en-US" sz="2187" dirty="0"/>
-          </a:p>
-        </p:txBody>
-      </p:sp>
-      <p:sp>
-        <p:nvSpPr>
-          <p:cNvPr id="14" name="Text 9"/>
-          <p:cNvSpPr/>
-          <p:nvPr/>
-        </p:nvSpPr>
-        <p:spPr>
-          <a:xfrm>
-            <a:off x="8944570" y="4909066"/>
-            <a:ext cx="2592348" cy="1421606"/>
-          </a:xfrm>
-          <a:prstGeom prst="rect">
-            <a:avLst/>
-          </a:prstGeom>
-          <a:noFill/>
-          <a:ln/>
-        </p:spPr>
-        <p:txBody>
-          <a:bodyPr wrap="square" rtlCol="0" anchor="t"/>
-          <a:lstStyle/>
-          <a:p>
-            <a:pPr marL="0" indent="0" algn="l">
-              <a:lnSpc>
-                <a:spcPts val="2799"/>
-              </a:lnSpc>
-              <a:buNone/>
-            </a:pPr>
-            <a:r>
-              <a:rPr lang="en-US" sz="1750" dirty="0">
-                <a:solidFill>
-                  <a:srgbClr val="383838"/>
-                </a:solidFill>
-                <a:latin typeface="Patrick Hand" pitchFamily="34" charset="0"/>
-                <a:ea typeface="Patrick Hand" pitchFamily="34" charset="-122"/>
-                <a:cs typeface="Patrick Hand" pitchFamily="34" charset="-120"/>
-              </a:rPr>
-              <a:t>AI를 통한 개인화 여행 추천 시스템의 혁신적인 기술을 적용하여 차별화된 서비스를 제공합니다.</a:t>
-            </a:r>
-            <a:endParaRPr lang="en-US" sz="1750" dirty="0"/>
-          </a:p>
-        </p:txBody>
-      </p:sp>
+      <p:pic>
+        <p:nvPicPr>
+          <p:cNvPr id="1030" name="Picture 6" descr="VueJs: The basics in 4 mins. The simplicity of Vue.Js and its light… | by  James Samuel | codeburst">
+            <a:extLst>
+              <a:ext uri="{FF2B5EF4-FFF2-40B4-BE49-F238E27FC236}">
+                <a16:creationId xmlns:a16="http://schemas.microsoft.com/office/drawing/2014/main" id="{02C7A6CF-EDB8-1530-4921-A161455EFFA8}"/>
+              </a:ext>
+            </a:extLst>
+          </p:cNvPr>
+          <p:cNvPicPr>
+            <a:picLocks noChangeAspect="1" noChangeArrowheads="1"/>
+          </p:cNvPicPr>
+          <p:nvPr/>
+        </p:nvPicPr>
+        <p:blipFill>
+          <a:blip r:embed="rId6">
+            <a:extLst>
+              <a:ext uri="{28A0092B-C50C-407E-A947-70E740481C1C}">
+                <a14:useLocalDpi xmlns:a14="http://schemas.microsoft.com/office/drawing/2010/main" val="0"/>
+              </a:ext>
+            </a:extLst>
+          </a:blip>
+          <a:srcRect/>
+          <a:stretch>
+            <a:fillRect/>
+          </a:stretch>
+        </p:blipFill>
+        <p:spPr bwMode="auto">
+          <a:xfrm>
+            <a:off x="4465122" y="2548890"/>
+            <a:ext cx="1220589" cy="949881"/>
+          </a:xfrm>
+          <a:prstGeom prst="rect">
+            <a:avLst/>
+          </a:prstGeom>
+          <a:noFill/>
+          <a:extLst>
+            <a:ext uri="{909E8E84-426E-40DD-AFC4-6F175D3DCCD1}">
+              <a14:hiddenFill xmlns:a14="http://schemas.microsoft.com/office/drawing/2010/main">
+                <a:solidFill>
+                  <a:srgbClr val="FFFFFF"/>
+                </a:solidFill>
+              </a14:hiddenFill>
+            </a:ext>
+          </a:extLst>
+        </p:spPr>
+      </p:pic>
+      <p:pic>
+        <p:nvPicPr>
+          <p:cNvPr id="1034" name="Picture 10" descr="MySQL] SELECT, 테이블(Table)의 데이터 조회하는 법">
+            <a:extLst>
+              <a:ext uri="{FF2B5EF4-FFF2-40B4-BE49-F238E27FC236}">
+                <a16:creationId xmlns:a16="http://schemas.microsoft.com/office/drawing/2014/main" id="{7D5B111A-2E52-5925-5DC8-63CDF2DFF0E6}"/>
+              </a:ext>
+            </a:extLst>
+          </p:cNvPr>
+          <p:cNvPicPr>
+            <a:picLocks noChangeAspect="1" noChangeArrowheads="1"/>
+          </p:cNvPicPr>
+          <p:nvPr/>
+        </p:nvPicPr>
+        <p:blipFill>
+          <a:blip r:embed="rId7">
+            <a:extLst>
+              <a:ext uri="{28A0092B-C50C-407E-A947-70E740481C1C}">
+                <a14:useLocalDpi xmlns:a14="http://schemas.microsoft.com/office/drawing/2010/main" val="0"/>
+              </a:ext>
+            </a:extLst>
+          </a:blip>
+          <a:srcRect/>
+          <a:stretch>
+            <a:fillRect/>
+          </a:stretch>
+        </p:blipFill>
+        <p:spPr bwMode="auto">
+          <a:xfrm>
+            <a:off x="3093363" y="3515593"/>
+            <a:ext cx="1371759" cy="857767"/>
+          </a:xfrm>
+          <a:prstGeom prst="rect">
+            <a:avLst/>
+          </a:prstGeom>
+          <a:noFill/>
+          <a:extLst>
+            <a:ext uri="{909E8E84-426E-40DD-AFC4-6F175D3DCCD1}">
+              <a14:hiddenFill xmlns:a14="http://schemas.microsoft.com/office/drawing/2010/main">
+                <a:solidFill>
+                  <a:srgbClr val="FFFFFF"/>
+                </a:solidFill>
+              </a14:hiddenFill>
+            </a:ext>
+          </a:extLst>
+        </p:spPr>
+      </p:pic>
+      <p:pic>
+        <p:nvPicPr>
+          <p:cNvPr id="1036" name="Picture 12" descr="TailwindCSS] Node.js 없이 tailwind를 사용해보자">
+            <a:extLst>
+              <a:ext uri="{FF2B5EF4-FFF2-40B4-BE49-F238E27FC236}">
+                <a16:creationId xmlns:a16="http://schemas.microsoft.com/office/drawing/2014/main" id="{6CD6C451-2F6F-D850-1338-CA00AA08587A}"/>
+              </a:ext>
+            </a:extLst>
+          </p:cNvPr>
+          <p:cNvPicPr>
+            <a:picLocks noChangeAspect="1" noChangeArrowheads="1"/>
+          </p:cNvPicPr>
+          <p:nvPr/>
+        </p:nvPicPr>
+        <p:blipFill>
+          <a:blip r:embed="rId8">
+            <a:extLst>
+              <a:ext uri="{28A0092B-C50C-407E-A947-70E740481C1C}">
+                <a14:useLocalDpi xmlns:a14="http://schemas.microsoft.com/office/drawing/2010/main" val="0"/>
+              </a:ext>
+            </a:extLst>
+          </a:blip>
+          <a:srcRect/>
+          <a:stretch>
+            <a:fillRect/>
+          </a:stretch>
+        </p:blipFill>
+        <p:spPr bwMode="auto">
+          <a:xfrm>
+            <a:off x="4465122" y="3498771"/>
+            <a:ext cx="1220589" cy="874589"/>
+          </a:xfrm>
+          <a:prstGeom prst="rect">
+            <a:avLst/>
+          </a:prstGeom>
+          <a:noFill/>
+          <a:extLst>
+            <a:ext uri="{909E8E84-426E-40DD-AFC4-6F175D3DCCD1}">
+              <a14:hiddenFill xmlns:a14="http://schemas.microsoft.com/office/drawing/2010/main">
+                <a:solidFill>
+                  <a:srgbClr val="FFFFFF"/>
+                </a:solidFill>
+              </a14:hiddenFill>
+            </a:ext>
+          </a:extLst>
+        </p:spPr>
+      </p:pic>
     </p:spTree>
   </p:cSld>
   <p:clrMapOvr>
     <a:masterClrMapping/>
   </p:clrMapOvr>
-  <p:timing>
-    <p:tnLst>
-      <p:par>
-        <p:cTn id="1" dur="indefinite" restart="never" nodeType="tmRoot"/>
-      </p:par>
-    </p:tnLst>
-  </p:timing>
 </p:sld>
 </file>
 
@@ -4364,6 +5123,13 @@
           </a:solidFill>
           <a:ln/>
         </p:spPr>
+        <p:txBody>
+          <a:bodyPr/>
+          <a:lstStyle/>
+          <a:p>
+            <a:endParaRPr lang="ko-KR" altLang="en-US"/>
+          </a:p>
+        </p:txBody>
       </p:sp>
       <p:sp>
         <p:nvSpPr>
@@ -4384,6 +5150,13 @@
           </a:solidFill>
           <a:ln/>
         </p:spPr>
+        <p:txBody>
+          <a:bodyPr/>
+          <a:lstStyle/>
+          <a:p>
+            <a:endParaRPr lang="ko-KR" altLang="en-US"/>
+          </a:p>
+        </p:txBody>
       </p:sp>
       <p:sp>
         <p:nvSpPr>
@@ -4558,8 +5331,8 @@
         </p:blipFill>
         <p:spPr>
           <a:xfrm>
-            <a:off x="7593687" y="3044785"/>
-            <a:ext cx="3229213" cy="1567696"/>
+            <a:off x="7586305" y="2375297"/>
+            <a:ext cx="3950732" cy="1739503"/>
           </a:xfrm>
           <a:prstGeom prst="rect">
             <a:avLst/>
@@ -4582,7 +5355,7 @@
         </p:blipFill>
         <p:spPr>
           <a:xfrm>
-            <a:off x="7593687" y="4862393"/>
+            <a:off x="7593687" y="4413713"/>
             <a:ext cx="3950732" cy="1905357"/>
           </a:xfrm>
           <a:prstGeom prst="rect">
@@ -4595,13 +5368,6 @@
   <p:clrMapOvr>
     <a:masterClrMapping/>
   </p:clrMapOvr>
-  <p:timing>
-    <p:tnLst>
-      <p:par>
-        <p:cTn id="1" dur="indefinite" restart="never" nodeType="tmRoot"/>
-      </p:par>
-    </p:tnLst>
-  </p:timing>
 </p:sld>
 </file>
 
@@ -4641,6 +5407,13 @@
           </a:solidFill>
           <a:ln/>
         </p:spPr>
+        <p:txBody>
+          <a:bodyPr/>
+          <a:lstStyle/>
+          <a:p>
+            <a:endParaRPr lang="ko-KR" altLang="en-US"/>
+          </a:p>
+        </p:txBody>
       </p:sp>
       <p:sp>
         <p:nvSpPr>
@@ -4661,6 +5434,13 @@
           </a:solidFill>
           <a:ln/>
         </p:spPr>
+        <p:txBody>
+          <a:bodyPr/>
+          <a:lstStyle/>
+          <a:p>
+            <a:endParaRPr lang="ko-KR" altLang="en-US"/>
+          </a:p>
+        </p:txBody>
       </p:sp>
       <p:sp>
         <p:nvSpPr>
@@ -4925,13 +5705,6 @@
   <p:clrMapOvr>
     <a:masterClrMapping/>
   </p:clrMapOvr>
-  <p:timing>
-    <p:tnLst>
-      <p:par>
-        <p:cTn id="1" dur="indefinite" restart="never" nodeType="tmRoot"/>
-      </p:par>
-    </p:tnLst>
-  </p:timing>
 </p:sld>
 </file>
 
@@ -4971,6 +5744,13 @@
           </a:solidFill>
           <a:ln/>
         </p:spPr>
+        <p:txBody>
+          <a:bodyPr/>
+          <a:lstStyle/>
+          <a:p>
+            <a:endParaRPr lang="ko-KR" altLang="en-US"/>
+          </a:p>
+        </p:txBody>
       </p:sp>
       <p:sp>
         <p:nvSpPr>
@@ -4991,6 +5771,13 @@
           </a:solidFill>
           <a:ln/>
         </p:spPr>
+        <p:txBody>
+          <a:bodyPr/>
+          <a:lstStyle/>
+          <a:p>
+            <a:endParaRPr lang="ko-KR" altLang="en-US"/>
+          </a:p>
+        </p:txBody>
       </p:sp>
       <p:sp>
         <p:nvSpPr>
@@ -5125,13 +5912,6 @@
   <p:clrMapOvr>
     <a:masterClrMapping/>
   </p:clrMapOvr>
-  <p:timing>
-    <p:tnLst>
-      <p:par>
-        <p:cTn id="1" dur="indefinite" restart="never" nodeType="tmRoot"/>
-      </p:par>
-    </p:tnLst>
-  </p:timing>
 </p:sld>
 </file>
 
